--- a/projetoRelogioDespertador/sistemsReativo.pptx
+++ b/projetoRelogioDespertador/sistemsReativo.pptx
@@ -110,7 +110,7 @@
   </p:defaultTextStyle>
   <p:extLst>
     <p:ext uri="{EFAFB233-063F-42B5-8137-9DF3F51BA10A}">
-      <p15:sldGuideLst xmlns:p15="http://schemas.microsoft.com/office/powerpoint/2012/main"/>
+      <p15:sldGuideLst xmlns:p15="http://schemas.microsoft.com/office/powerpoint/2012/main" xmlns=""/>
     </p:ext>
   </p:extLst>
 </p:presentation>
@@ -569,7 +569,7 @@
           <a:p>
             <a:fld id="{F7AFFB9B-9FB8-469E-96F9-4D32314110B6}" type="datetimeFigureOut">
               <a:rPr lang="en-US" dirty="0"/>
-              <a:t>3/31/18</a:t>
+              <a:t>4/1/2018</a:t>
             </a:fld>
             <a:endParaRPr lang="en-US" dirty="0"/>
           </a:p>
@@ -637,7 +637,7 @@
             <a:fld id="{6D22F896-40B5-4ADD-8801-0D06FADFA095}" type="slidenum">
               <a:rPr lang="en-US" dirty="0"/>
               <a:pPr/>
-              <a:t>‹#›</a:t>
+              <a:t>‹nº›</a:t>
             </a:fld>
             <a:endParaRPr lang="en-US" dirty="0"/>
           </a:p>
@@ -897,7 +897,7 @@
           <a:p>
             <a:fld id="{341D2AC3-6A0B-4169-B1EA-E3AE8B351BDD}" type="datetimeFigureOut">
               <a:rPr lang="en-US" dirty="0"/>
-              <a:t>3/31/18</a:t>
+              <a:t>4/1/2018</a:t>
             </a:fld>
             <a:endParaRPr lang="en-US" dirty="0"/>
           </a:p>
@@ -939,7 +939,7 @@
           <a:p>
             <a:fld id="{6D22F896-40B5-4ADD-8801-0D06FADFA095}" type="slidenum">
               <a:rPr lang="en-US" dirty="0"/>
-              <a:t>‹#›</a:t>
+              <a:t>‹nº›</a:t>
             </a:fld>
             <a:endParaRPr lang="en-US" dirty="0"/>
           </a:p>
@@ -1088,7 +1088,7 @@
           <a:p>
             <a:fld id="{DD4B9363-8B87-41B7-9F8E-64519CBB8F34}" type="datetimeFigureOut">
               <a:rPr lang="en-US" dirty="0"/>
-              <a:t>3/31/18</a:t>
+              <a:t>4/1/2018</a:t>
             </a:fld>
             <a:endParaRPr lang="en-US" dirty="0"/>
           </a:p>
@@ -1130,7 +1130,7 @@
           <a:p>
             <a:fld id="{6D22F896-40B5-4ADD-8801-0D06FADFA095}" type="slidenum">
               <a:rPr lang="en-US" dirty="0"/>
-              <a:t>‹#›</a:t>
+              <a:t>‹nº›</a:t>
             </a:fld>
             <a:endParaRPr lang="en-US" dirty="0"/>
           </a:p>
@@ -1353,7 +1353,7 @@
           <a:p>
             <a:fld id="{EAEF5746-5284-4951-9F37-7AE924EDBCB7}" type="datetimeFigureOut">
               <a:rPr lang="en-US" dirty="0"/>
-              <a:t>3/31/18</a:t>
+              <a:t>4/1/2018</a:t>
             </a:fld>
             <a:endParaRPr lang="en-US" dirty="0"/>
           </a:p>
@@ -1395,7 +1395,7 @@
           <a:p>
             <a:fld id="{6D22F896-40B5-4ADD-8801-0D06FADFA095}" type="slidenum">
               <a:rPr lang="en-US" dirty="0"/>
-              <a:t>‹#›</a:t>
+              <a:t>‹nº›</a:t>
             </a:fld>
             <a:endParaRPr lang="en-US" dirty="0"/>
           </a:p>
@@ -1776,7 +1776,7 @@
           <a:p>
             <a:fld id="{02398B29-7265-4A65-A2A4-6703C057B7C1}" type="datetimeFigureOut">
               <a:rPr lang="en-US" dirty="0"/>
-              <a:t>3/31/18</a:t>
+              <a:t>4/1/2018</a:t>
             </a:fld>
             <a:endParaRPr lang="en-US" dirty="0"/>
           </a:p>
@@ -1818,7 +1818,7 @@
           <a:p>
             <a:fld id="{6D22F896-40B5-4ADD-8801-0D06FADFA095}" type="slidenum">
               <a:rPr lang="en-US" dirty="0"/>
-              <a:t>‹#›</a:t>
+              <a:t>‹nº›</a:t>
             </a:fld>
             <a:endParaRPr lang="en-US" dirty="0"/>
           </a:p>
@@ -2321,7 +2321,7 @@
           <a:p>
             <a:fld id="{28FBA082-94DF-4C4B-A041-6624924AB0A8}" type="datetimeFigureOut">
               <a:rPr lang="en-US" dirty="0"/>
-              <a:t>3/31/18</a:t>
+              <a:t>4/1/2018</a:t>
             </a:fld>
             <a:endParaRPr lang="en-US" dirty="0"/>
           </a:p>
@@ -2363,7 +2363,7 @@
           <a:p>
             <a:fld id="{6D22F896-40B5-4ADD-8801-0D06FADFA095}" type="slidenum">
               <a:rPr lang="en-US" dirty="0"/>
-              <a:t>‹#›</a:t>
+              <a:t>‹nº›</a:t>
             </a:fld>
             <a:endParaRPr lang="en-US" dirty="0"/>
           </a:p>
@@ -3106,7 +3106,7 @@
           <a:p>
             <a:fld id="{B27686C4-3AB5-4E0C-86CA-FB108C350AA9}" type="datetimeFigureOut">
               <a:rPr lang="en-US" dirty="0"/>
-              <a:t>3/31/18</a:t>
+              <a:t>4/1/2018</a:t>
             </a:fld>
             <a:endParaRPr lang="en-US" dirty="0"/>
           </a:p>
@@ -3148,7 +3148,7 @@
           <a:p>
             <a:fld id="{6D22F896-40B5-4ADD-8801-0D06FADFA095}" type="slidenum">
               <a:rPr lang="en-US" dirty="0"/>
-              <a:t>‹#›</a:t>
+              <a:t>‹nº›</a:t>
             </a:fld>
             <a:endParaRPr lang="en-US" dirty="0"/>
           </a:p>
@@ -3280,7 +3280,7 @@
           <a:p>
             <a:fld id="{49FF1211-4E0C-4AB3-B04F-585959BDAFE8}" type="datetimeFigureOut">
               <a:rPr lang="en-US" dirty="0"/>
-              <a:t>3/31/18</a:t>
+              <a:t>4/1/2018</a:t>
             </a:fld>
             <a:endParaRPr lang="en-US" dirty="0"/>
           </a:p>
@@ -3322,7 +3322,7 @@
           <a:p>
             <a:fld id="{6D22F896-40B5-4ADD-8801-0D06FADFA095}" type="slidenum">
               <a:rPr lang="en-US" dirty="0"/>
-              <a:t>‹#›</a:t>
+              <a:t>‹nº›</a:t>
             </a:fld>
             <a:endParaRPr lang="en-US" dirty="0"/>
           </a:p>
@@ -3459,7 +3459,7 @@
           <a:p>
             <a:fld id="{28BDECAF-D3BE-4069-9C78-642ECCD01477}" type="datetimeFigureOut">
               <a:rPr lang="en-US" dirty="0"/>
-              <a:t>3/31/18</a:t>
+              <a:t>4/1/2018</a:t>
             </a:fld>
             <a:endParaRPr lang="en-US" dirty="0"/>
           </a:p>
@@ -3501,7 +3501,7 @@
           <a:p>
             <a:fld id="{6D22F896-40B5-4ADD-8801-0D06FADFA095}" type="slidenum">
               <a:rPr lang="en-US" dirty="0"/>
-              <a:t>‹#›</a:t>
+              <a:t>‹nº›</a:t>
             </a:fld>
             <a:endParaRPr lang="en-US" dirty="0"/>
           </a:p>
@@ -3629,7 +3629,7 @@
           <a:p>
             <a:fld id="{8EFBDC27-E420-4878-9EE6-7B9656D6442A}" type="datetimeFigureOut">
               <a:rPr lang="en-US" dirty="0"/>
-              <a:t>3/31/18</a:t>
+              <a:t>4/1/2018</a:t>
             </a:fld>
             <a:endParaRPr lang="en-US" dirty="0"/>
           </a:p>
@@ -3671,7 +3671,7 @@
           <a:p>
             <a:fld id="{6D22F896-40B5-4ADD-8801-0D06FADFA095}" type="slidenum">
               <a:rPr lang="en-US" dirty="0"/>
-              <a:t>‹#›</a:t>
+              <a:t>‹nº›</a:t>
             </a:fld>
             <a:endParaRPr lang="en-US" dirty="0"/>
           </a:p>
@@ -3874,7 +3874,7 @@
           <a:p>
             <a:fld id="{0F7F47CF-67C9-420C-80A5-E2069FF0C2DF}" type="datetimeFigureOut">
               <a:rPr lang="en-US" dirty="0"/>
-              <a:t>3/31/18</a:t>
+              <a:t>4/1/2018</a:t>
             </a:fld>
             <a:endParaRPr lang="en-US" dirty="0"/>
           </a:p>
@@ -3916,7 +3916,7 @@
           <a:p>
             <a:fld id="{6D22F896-40B5-4ADD-8801-0D06FADFA095}" type="slidenum">
               <a:rPr lang="en-US" dirty="0"/>
-              <a:t>‹#›</a:t>
+              <a:t>‹nº›</a:t>
             </a:fld>
             <a:endParaRPr lang="en-US" dirty="0"/>
           </a:p>
@@ -4106,7 +4106,7 @@
           <a:p>
             <a:fld id="{AE22DC73-F065-42F5-A9F2-D90B2E42A0B3}" type="datetimeFigureOut">
               <a:rPr lang="en-US" dirty="0"/>
-              <a:t>3/31/18</a:t>
+              <a:t>4/1/2018</a:t>
             </a:fld>
             <a:endParaRPr lang="en-US" dirty="0"/>
           </a:p>
@@ -4148,7 +4148,7 @@
           <a:p>
             <a:fld id="{6D22F896-40B5-4ADD-8801-0D06FADFA095}" type="slidenum">
               <a:rPr lang="en-US" dirty="0"/>
-              <a:t>‹#›</a:t>
+              <a:t>‹nº›</a:t>
             </a:fld>
             <a:endParaRPr lang="en-US" dirty="0"/>
           </a:p>
@@ -4486,7 +4486,7 @@
           <a:p>
             <a:fld id="{76BEA702-9B29-41CC-9BCC-3DF8A0D379FE}" type="datetimeFigureOut">
               <a:rPr lang="en-US" dirty="0"/>
-              <a:t>3/31/18</a:t>
+              <a:t>4/1/2018</a:t>
             </a:fld>
             <a:endParaRPr lang="en-US" dirty="0"/>
           </a:p>
@@ -4528,7 +4528,7 @@
           <a:p>
             <a:fld id="{6D22F896-40B5-4ADD-8801-0D06FADFA095}" type="slidenum">
               <a:rPr lang="en-US" dirty="0"/>
-              <a:t>‹#›</a:t>
+              <a:t>‹nº›</a:t>
             </a:fld>
             <a:endParaRPr lang="en-US" dirty="0"/>
           </a:p>
@@ -4599,7 +4599,7 @@
           <a:p>
             <a:fld id="{097649AC-CB8F-4FF1-9A34-5861C74DD0A7}" type="datetimeFigureOut">
               <a:rPr lang="en-US" dirty="0"/>
-              <a:t>3/31/18</a:t>
+              <a:t>4/1/2018</a:t>
             </a:fld>
             <a:endParaRPr lang="en-US" dirty="0"/>
           </a:p>
@@ -4641,7 +4641,7 @@
           <a:p>
             <a:fld id="{6D22F896-40B5-4ADD-8801-0D06FADFA095}" type="slidenum">
               <a:rPr lang="en-US" dirty="0"/>
-              <a:t>‹#›</a:t>
+              <a:t>‹nº›</a:t>
             </a:fld>
             <a:endParaRPr lang="en-US" dirty="0"/>
           </a:p>
@@ -4689,7 +4689,7 @@
           <a:p>
             <a:fld id="{3EC5CECA-2D3A-4680-9B49-752200DE467C}" type="datetimeFigureOut">
               <a:rPr lang="en-US" dirty="0"/>
-              <a:t>3/31/18</a:t>
+              <a:t>4/1/2018</a:t>
             </a:fld>
             <a:endParaRPr lang="en-US" dirty="0"/>
           </a:p>
@@ -4731,7 +4731,7 @@
           <a:p>
             <a:fld id="{6D22F896-40B5-4ADD-8801-0D06FADFA095}" type="slidenum">
               <a:rPr lang="en-US" dirty="0"/>
-              <a:t>‹#›</a:t>
+              <a:t>‹nº›</a:t>
             </a:fld>
             <a:endParaRPr lang="en-US" dirty="0"/>
           </a:p>
@@ -4937,7 +4937,7 @@
           <a:p>
             <a:fld id="{50C3BFE2-83B7-4B0A-B9D3-AB28331082B3}" type="datetimeFigureOut">
               <a:rPr lang="en-US" dirty="0"/>
-              <a:t>3/31/18</a:t>
+              <a:t>4/1/2018</a:t>
             </a:fld>
             <a:endParaRPr lang="en-US" dirty="0"/>
           </a:p>
@@ -4979,7 +4979,7 @@
           <a:p>
             <a:fld id="{6D22F896-40B5-4ADD-8801-0D06FADFA095}" type="slidenum">
               <a:rPr lang="en-US" dirty="0"/>
-              <a:t>‹#›</a:t>
+              <a:t>‹nº›</a:t>
             </a:fld>
             <a:endParaRPr lang="en-US" dirty="0"/>
           </a:p>
@@ -5201,7 +5201,7 @@
           <a:p>
             <a:fld id="{12EF78E3-FDA3-4D28-AAA2-0B81F349A39D}" type="datetimeFigureOut">
               <a:rPr lang="en-US" dirty="0"/>
-              <a:t>3/31/18</a:t>
+              <a:t>4/1/2018</a:t>
             </a:fld>
             <a:endParaRPr lang="en-US" dirty="0"/>
           </a:p>
@@ -5243,7 +5243,7 @@
           <a:p>
             <a:fld id="{6D22F896-40B5-4ADD-8801-0D06FADFA095}" type="slidenum">
               <a:rPr lang="en-US" dirty="0"/>
-              <a:t>‹#›</a:t>
+              <a:t>‹nº›</a:t>
             </a:fld>
             <a:endParaRPr lang="en-US" dirty="0"/>
           </a:p>
@@ -5599,7 +5599,7 @@
           <a:p>
             <a:fld id="{C35BB1C6-BF8F-4481-8AB2-603A1C8A906A}" type="datetimeFigureOut">
               <a:rPr lang="en-US" dirty="0"/>
-              <a:t>3/31/18</a:t>
+              <a:t>4/1/2018</a:t>
             </a:fld>
             <a:endParaRPr lang="en-US" dirty="0"/>
           </a:p>
@@ -5678,7 +5678,7 @@
             <a:fld id="{6D22F896-40B5-4ADD-8801-0D06FADFA095}" type="slidenum">
               <a:rPr lang="en-US" dirty="0"/>
               <a:pPr/>
-              <a:t>‹#›</a:t>
+              <a:t>‹nº›</a:t>
             </a:fld>
             <a:endParaRPr lang="en-US" dirty="0"/>
           </a:p>
@@ -6058,7 +6058,7 @@
           <p:cNvPr id="2" name="Title 1">
             <a:extLst>
               <a:ext uri="{FF2B5EF4-FFF2-40B4-BE49-F238E27FC236}">
-                <a16:creationId xmlns:a16="http://schemas.microsoft.com/office/drawing/2014/main" id="{A35AB4DB-26A7-B54C-A656-204B84F138AF}"/>
+                <a16:creationId xmlns:a16="http://schemas.microsoft.com/office/drawing/2014/main" xmlns="" id="{A35AB4DB-26A7-B54C-A656-204B84F138AF}"/>
               </a:ext>
             </a:extLst>
           </p:cNvPr>
@@ -6090,7 +6090,7 @@
           <p:cNvPr id="3" name="Subtitle 2">
             <a:extLst>
               <a:ext uri="{FF2B5EF4-FFF2-40B4-BE49-F238E27FC236}">
-                <a16:creationId xmlns:a16="http://schemas.microsoft.com/office/drawing/2014/main" id="{CF92623D-DE9D-714F-B858-83AF14DF8B4E}"/>
+                <a16:creationId xmlns:a16="http://schemas.microsoft.com/office/drawing/2014/main" xmlns="" id="{CF92623D-DE9D-714F-B858-83AF14DF8B4E}"/>
               </a:ext>
             </a:extLst>
           </p:cNvPr>
@@ -6141,7 +6141,7 @@
           <p:cNvPr id="4" name="Subtitle 2">
             <a:extLst>
               <a:ext uri="{FF2B5EF4-FFF2-40B4-BE49-F238E27FC236}">
-                <a16:creationId xmlns:a16="http://schemas.microsoft.com/office/drawing/2014/main" id="{2482A3CF-CACC-FB4D-9D48-C842576381A8}"/>
+                <a16:creationId xmlns:a16="http://schemas.microsoft.com/office/drawing/2014/main" xmlns="" id="{2482A3CF-CACC-FB4D-9D48-C842576381A8}"/>
               </a:ext>
             </a:extLst>
           </p:cNvPr>
@@ -6471,7 +6471,7 @@
           <p:cNvPr id="2" name="Title 1">
             <a:extLst>
               <a:ext uri="{FF2B5EF4-FFF2-40B4-BE49-F238E27FC236}">
-                <a16:creationId xmlns:a16="http://schemas.microsoft.com/office/drawing/2014/main" id="{AA6DBB4B-291B-4F43-862B-E0FC1F96A6BF}"/>
+                <a16:creationId xmlns:a16="http://schemas.microsoft.com/office/drawing/2014/main" xmlns="" id="{AA6DBB4B-291B-4F43-862B-E0FC1F96A6BF}"/>
               </a:ext>
             </a:extLst>
           </p:cNvPr>
@@ -6490,8 +6490,8 @@
           <a:lstStyle/>
           <a:p>
             <a:r>
-              <a:rPr lang="en-US" dirty="0" err="1"/>
-              <a:t>Funcoes</a:t>
+              <a:rPr lang="en-US" dirty="0" err="1" smtClean="0"/>
+              <a:t>FunÇÕes</a:t>
             </a:r>
             <a:endParaRPr lang="en-US" dirty="0"/>
           </a:p>
@@ -6502,7 +6502,7 @@
           <p:cNvPr id="3" name="Content Placeholder 2">
             <a:extLst>
               <a:ext uri="{FF2B5EF4-FFF2-40B4-BE49-F238E27FC236}">
-                <a16:creationId xmlns:a16="http://schemas.microsoft.com/office/drawing/2014/main" id="{51626B1E-AEB5-1244-866C-1253A9E8BEB1}"/>
+                <a16:creationId xmlns:a16="http://schemas.microsoft.com/office/drawing/2014/main" xmlns="" id="{51626B1E-AEB5-1244-866C-1253A9E8BEB1}"/>
               </a:ext>
             </a:extLst>
           </p:cNvPr>
@@ -6578,7 +6578,7 @@
           <p:cNvPr id="2" name="Title 1">
             <a:extLst>
               <a:ext uri="{FF2B5EF4-FFF2-40B4-BE49-F238E27FC236}">
-                <a16:creationId xmlns:a16="http://schemas.microsoft.com/office/drawing/2014/main" id="{AA386C51-F7D3-DF4C-AB87-60E24F04A870}"/>
+                <a16:creationId xmlns:a16="http://schemas.microsoft.com/office/drawing/2014/main" xmlns="" id="{AA386C51-F7D3-DF4C-AB87-60E24F04A870}"/>
               </a:ext>
             </a:extLst>
           </p:cNvPr>
@@ -6615,7 +6615,7 @@
           <p:cNvPr id="3" name="Content Placeholder 2">
             <a:extLst>
               <a:ext uri="{FF2B5EF4-FFF2-40B4-BE49-F238E27FC236}">
-                <a16:creationId xmlns:a16="http://schemas.microsoft.com/office/drawing/2014/main" id="{2A69222A-3589-F046-BEC8-D4CA83C5BFD6}"/>
+                <a16:creationId xmlns:a16="http://schemas.microsoft.com/office/drawing/2014/main" xmlns="" id="{2A69222A-3589-F046-BEC8-D4CA83C5BFD6}"/>
               </a:ext>
             </a:extLst>
           </p:cNvPr>
@@ -6628,7 +6628,9 @@
         </p:nvSpPr>
         <p:spPr/>
         <p:txBody>
-          <a:bodyPr/>
+          <a:bodyPr>
+            <a:normAutofit fontScale="92500" lnSpcReduction="20000"/>
+          </a:bodyPr>
           <a:lstStyle/>
           <a:p>
             <a:pPr marL="1828800" lvl="4" indent="0">
@@ -6671,23 +6673,23 @@
             </a:r>
             <a:r>
               <a:rPr lang="en-US" dirty="0"/>
-              <a:t>o 1:  Altera para </a:t>
+              <a:t>o 1:  </a:t>
+            </a:r>
+            <a:r>
+              <a:rPr lang="en-US" dirty="0" smtClean="0"/>
+              <a:t>Altera </a:t>
             </a:r>
             <a:r>
               <a:rPr lang="en-US" dirty="0" err="1"/>
               <a:t>funç</a:t>
             </a:r>
             <a:r>
-              <a:rPr lang="pt-BR" dirty="0" err="1"/>
+              <a:rPr lang="pt-BR" dirty="0"/>
               <a:t>ã</a:t>
             </a:r>
             <a:r>
-              <a:rPr lang="en-US" dirty="0"/>
-              <a:t>o de definer a hora do </a:t>
-            </a:r>
-            <a:r>
-              <a:rPr lang="en-US" dirty="0" err="1"/>
-              <a:t>despertador</a:t>
+              <a:rPr lang="en-US" dirty="0" smtClean="0"/>
+              <a:t>o</a:t>
             </a:r>
             <a:endParaRPr lang="en-US" dirty="0"/>
           </a:p>
@@ -6702,15 +6704,59 @@
             </a:r>
             <a:r>
               <a:rPr lang="pt-BR" dirty="0"/>
-              <a:t> 2: Nada  </a:t>
-            </a:r>
+              <a:t> 2: </a:t>
+            </a:r>
+            <a:r>
+              <a:rPr lang="pt-BR" dirty="0" smtClean="0"/>
+              <a:t>ATIVA/DESATIVA O ALARME (PODE SER VISUALIZADO PELO LED D1 DA PLACA)</a:t>
+            </a:r>
+            <a:r>
+              <a:rPr lang="pt-BR" dirty="0" smtClean="0"/>
+              <a:t> </a:t>
+            </a:r>
+            <a:endParaRPr lang="pt-BR" dirty="0"/>
           </a:p>
           <a:p>
             <a:r>
               <a:rPr lang="pt-BR" dirty="0"/>
-              <a:t>Botão 3: Nada</a:t>
-            </a:r>
-            <a:endParaRPr lang="en-US" dirty="0"/>
+              <a:t>Botão 3: </a:t>
+            </a:r>
+            <a:r>
+              <a:rPr lang="pt-BR" dirty="0" smtClean="0"/>
+              <a:t>SE O ALARME ESTIVER TOCANDO:</a:t>
+            </a:r>
+          </a:p>
+          <a:p>
+            <a:pPr lvl="1"/>
+            <a:r>
+              <a:rPr lang="pt-BR" dirty="0" smtClean="0"/>
+              <a:t>APERTAR ELE DESLIGA O ALARME</a:t>
+            </a:r>
+          </a:p>
+          <a:p>
+            <a:pPr lvl="1"/>
+            <a:r>
+              <a:rPr lang="pt-BR" dirty="0" smtClean="0"/>
+              <a:t>SEGURAR DURANTE  2S ENTRA NO MODO SONECA</a:t>
+            </a:r>
+            <a:endParaRPr lang="en-US" dirty="0"/>
+          </a:p>
+          <a:p>
+            <a:pPr marL="0" indent="0">
+              <a:buNone/>
+            </a:pPr>
+            <a:r>
+              <a:rPr lang="pt-BR" dirty="0"/>
+              <a:t>É POSSÍVEL VERIFICAR QUE ESTAMOS NO MODO </a:t>
+            </a:r>
+            <a:r>
+              <a:rPr lang="pt-BR" dirty="0" smtClean="0"/>
+              <a:t>RELÓGIO POR NENHUM LED ACESSO NA PLACA (EXCLUINDO O LED D1 QUE É EXCLUSIVO DO ALARME)</a:t>
+            </a:r>
+            <a:endParaRPr lang="pt-BR" dirty="0"/>
+          </a:p>
+          <a:p>
+            <a:endParaRPr lang="pt-BR" dirty="0" smtClean="0"/>
           </a:p>
         </p:txBody>
       </p:sp>
@@ -6749,7 +6795,7 @@
           <p:cNvPr id="2" name="Title 1">
             <a:extLst>
               <a:ext uri="{FF2B5EF4-FFF2-40B4-BE49-F238E27FC236}">
-                <a16:creationId xmlns:a16="http://schemas.microsoft.com/office/drawing/2014/main" id="{AA386C51-F7D3-DF4C-AB87-60E24F04A870}"/>
+                <a16:creationId xmlns:a16="http://schemas.microsoft.com/office/drawing/2014/main" xmlns="" id="{AA386C51-F7D3-DF4C-AB87-60E24F04A870}"/>
               </a:ext>
             </a:extLst>
           </p:cNvPr>
@@ -6786,7 +6832,7 @@
           <p:cNvPr id="3" name="Content Placeholder 2">
             <a:extLst>
               <a:ext uri="{FF2B5EF4-FFF2-40B4-BE49-F238E27FC236}">
-                <a16:creationId xmlns:a16="http://schemas.microsoft.com/office/drawing/2014/main" id="{2A69222A-3589-F046-BEC8-D4CA83C5BFD6}"/>
+                <a16:creationId xmlns:a16="http://schemas.microsoft.com/office/drawing/2014/main" xmlns="" id="{2A69222A-3589-F046-BEC8-D4CA83C5BFD6}"/>
               </a:ext>
             </a:extLst>
           </p:cNvPr>
@@ -6799,7 +6845,9 @@
         </p:nvSpPr>
         <p:spPr/>
         <p:txBody>
-          <a:bodyPr/>
+          <a:bodyPr>
+            <a:normAutofit fontScale="85000" lnSpcReduction="20000"/>
+          </a:bodyPr>
           <a:lstStyle/>
           <a:p>
             <a:pPr marL="1828800" lvl="4" indent="0">
@@ -6834,44 +6882,28 @@
             </a:r>
             <a:r>
               <a:rPr lang="en-US" dirty="0"/>
-              <a:t>o 1: Altera para </a:t>
-            </a:r>
-            <a:r>
-              <a:rPr lang="en-US" dirty="0" err="1"/>
+              <a:t>o 1: </a:t>
+            </a:r>
+            <a:r>
+              <a:rPr lang="en-US" dirty="0" smtClean="0"/>
+              <a:t>Altera </a:t>
+            </a:r>
+            <a:r>
+              <a:rPr lang="en-US" dirty="0" err="1" smtClean="0"/>
               <a:t>funç</a:t>
             </a:r>
             <a:r>
-              <a:rPr lang="pt-BR" dirty="0" err="1"/>
+              <a:rPr lang="pt-BR" dirty="0"/>
               <a:t>ã</a:t>
             </a:r>
             <a:r>
-              <a:rPr lang="en-US" dirty="0"/>
-              <a:t>o de </a:t>
-            </a:r>
-            <a:r>
-              <a:rPr lang="en-US" dirty="0" err="1"/>
-              <a:t>mudar</a:t>
-            </a:r>
-            <a:r>
-              <a:rPr lang="en-US" dirty="0"/>
-              <a:t> hora do </a:t>
-            </a:r>
-            <a:r>
-              <a:rPr lang="en-US" dirty="0" err="1"/>
-              <a:t>rel</a:t>
-            </a:r>
-            <a:r>
-              <a:rPr lang="pt-BR" dirty="0" err="1"/>
-              <a:t>ógio</a:t>
-            </a:r>
-            <a:r>
-              <a:rPr lang="en-US" dirty="0"/>
-              <a:t> </a:t>
-            </a:r>
-          </a:p>
-          <a:p>
-            <a:r>
-              <a:rPr lang="en-US" dirty="0"/>
+              <a:rPr lang="en-US" dirty="0" smtClean="0"/>
+              <a:t>o</a:t>
+            </a:r>
+          </a:p>
+          <a:p>
+            <a:r>
+              <a:rPr lang="en-US" dirty="0" smtClean="0"/>
               <a:t>Bot</a:t>
             </a:r>
             <a:r>
@@ -6880,27 +6912,72 @@
             </a:r>
             <a:r>
               <a:rPr lang="pt-BR" dirty="0"/>
-              <a:t> 2: muda entre horas e minutos;</a:t>
-            </a:r>
-          </a:p>
-          <a:p>
+              <a:t> 2</a:t>
+            </a:r>
+            <a:r>
+              <a:rPr lang="pt-BR" dirty="0" smtClean="0"/>
+              <a:t>: escolhe se vai modificar hora ou minuto;</a:t>
+            </a:r>
+            <a:endParaRPr lang="pt-BR" dirty="0"/>
+          </a:p>
+          <a:p>
+            <a:r>
+              <a:rPr lang="pt-BR" dirty="0" smtClean="0"/>
+              <a:t>Botão </a:t>
+            </a:r>
             <a:r>
               <a:rPr lang="pt-BR" dirty="0"/>
-              <a:t>Botão 2: segurar por dois segundos confirma a hora do despertador escolhida </a:t>
-            </a:r>
-          </a:p>
-          <a:p>
+              <a:t>3: soma +1 na </a:t>
+            </a:r>
+            <a:r>
+              <a:rPr lang="pt-BR" dirty="0" smtClean="0"/>
+              <a:t>hora </a:t>
+            </a:r>
             <a:r>
               <a:rPr lang="pt-BR" dirty="0"/>
-              <a:t>Botão 3: soma +1 na horas ou minutos dependendo do valor do botão 2</a:t>
-            </a:r>
-          </a:p>
-          <a:p>
+              <a:t>ou </a:t>
+            </a:r>
+            <a:r>
+              <a:rPr lang="pt-BR" dirty="0" smtClean="0"/>
+              <a:t>minuto </a:t>
+            </a:r>
             <a:r>
               <a:rPr lang="pt-BR" dirty="0"/>
-              <a:t>Botão 3: segurar por dois segundos ativa o modo soneca</a:t>
-            </a:r>
-            <a:endParaRPr lang="en-US" dirty="0"/>
+              <a:t>dependendo </a:t>
+            </a:r>
+            <a:r>
+              <a:rPr lang="pt-BR" dirty="0" smtClean="0"/>
+              <a:t>do que foi escolhido com o </a:t>
+            </a:r>
+            <a:r>
+              <a:rPr lang="pt-BR" dirty="0" smtClean="0"/>
+              <a:t>botão 2</a:t>
+            </a:r>
+          </a:p>
+          <a:p>
+            <a:pPr marL="0" indent="0">
+              <a:buNone/>
+            </a:pPr>
+            <a:endParaRPr lang="pt-BR" dirty="0" smtClean="0"/>
+          </a:p>
+          <a:p>
+            <a:pPr marL="0" indent="0">
+              <a:buNone/>
+            </a:pPr>
+            <a:r>
+              <a:rPr lang="pt-BR" dirty="0" smtClean="0"/>
+              <a:t>Para Confirmar a nova hora do alarme deve-se segurar o botão 1 e 2, e soltar rapidamente o botão 2 seguido do botão 1</a:t>
+            </a:r>
+          </a:p>
+          <a:p>
+            <a:pPr marL="0" indent="0">
+              <a:buNone/>
+            </a:pPr>
+            <a:r>
+              <a:rPr lang="pt-BR" dirty="0" smtClean="0"/>
+              <a:t>É POSSÍVEL VERIFICAR QUE ESTAMOS NO MODO DE MODIFICAR O DESPERTADOR PELO LED D3 ACESSO NA PLACA</a:t>
+            </a:r>
+            <a:endParaRPr lang="pt-BR" dirty="0"/>
           </a:p>
         </p:txBody>
       </p:sp>
@@ -6939,7 +7016,7 @@
           <p:cNvPr id="2" name="Title 1">
             <a:extLst>
               <a:ext uri="{FF2B5EF4-FFF2-40B4-BE49-F238E27FC236}">
-                <a16:creationId xmlns:a16="http://schemas.microsoft.com/office/drawing/2014/main" id="{AA386C51-F7D3-DF4C-AB87-60E24F04A870}"/>
+                <a16:creationId xmlns:a16="http://schemas.microsoft.com/office/drawing/2014/main" xmlns="" id="{AA386C51-F7D3-DF4C-AB87-60E24F04A870}"/>
               </a:ext>
             </a:extLst>
           </p:cNvPr>
@@ -6976,7 +7053,7 @@
           <p:cNvPr id="3" name="Content Placeholder 2">
             <a:extLst>
               <a:ext uri="{FF2B5EF4-FFF2-40B4-BE49-F238E27FC236}">
-                <a16:creationId xmlns:a16="http://schemas.microsoft.com/office/drawing/2014/main" id="{2A69222A-3589-F046-BEC8-D4CA83C5BFD6}"/>
+                <a16:creationId xmlns:a16="http://schemas.microsoft.com/office/drawing/2014/main" xmlns="" id="{2A69222A-3589-F046-BEC8-D4CA83C5BFD6}"/>
               </a:ext>
             </a:extLst>
           </p:cNvPr>
@@ -6989,7 +7066,9 @@
         </p:nvSpPr>
         <p:spPr/>
         <p:txBody>
-          <a:bodyPr/>
+          <a:bodyPr>
+            <a:normAutofit fontScale="85000" lnSpcReduction="20000"/>
+          </a:bodyPr>
           <a:lstStyle/>
           <a:p>
             <a:pPr marL="1828800" lvl="4" indent="0">
@@ -7020,32 +7099,25 @@
             </a:r>
             <a:r>
               <a:rPr lang="en-US" dirty="0"/>
-              <a:t>o 1: Altera para </a:t>
+              <a:t>o 1: </a:t>
+            </a:r>
+            <a:r>
+              <a:rPr lang="en-US" dirty="0" smtClean="0"/>
+              <a:t>Altera </a:t>
             </a:r>
             <a:r>
               <a:rPr lang="en-US" dirty="0" err="1"/>
               <a:t>funç</a:t>
             </a:r>
             <a:r>
-              <a:rPr lang="pt-BR" dirty="0" err="1"/>
+              <a:rPr lang="pt-BR" dirty="0"/>
               <a:t>ã</a:t>
             </a:r>
             <a:r>
-              <a:rPr lang="en-US" dirty="0"/>
-              <a:t>o de </a:t>
-            </a:r>
-            <a:r>
-              <a:rPr lang="en-US" dirty="0" err="1"/>
-              <a:t>rel</a:t>
-            </a:r>
-            <a:r>
-              <a:rPr lang="pt-BR" dirty="0" err="1"/>
-              <a:t>ógio</a:t>
-            </a:r>
-            <a:r>
-              <a:rPr lang="en-US" dirty="0"/>
-              <a:t> </a:t>
-            </a:r>
+              <a:rPr lang="en-US" dirty="0" smtClean="0"/>
+              <a:t>o</a:t>
+            </a:r>
+            <a:endParaRPr lang="en-US" dirty="0"/>
           </a:p>
           <a:p>
             <a:r>
@@ -7058,20 +7130,88 @@
             </a:r>
             <a:r>
               <a:rPr lang="pt-BR" dirty="0"/>
-              <a:t> 2: muda entre horas e minutos;</a:t>
-            </a:r>
-          </a:p>
-          <a:p>
+              <a:t> 2: muda entre </a:t>
+            </a:r>
+            <a:r>
+              <a:rPr lang="pt-BR" dirty="0" smtClean="0"/>
+              <a:t>hora </a:t>
+            </a:r>
             <a:r>
               <a:rPr lang="pt-BR" dirty="0"/>
-              <a:t>Botão 2: segurar por dois segundos confirma a hora do relógio escolhida </a:t>
-            </a:r>
+              <a:t>e </a:t>
+            </a:r>
+            <a:r>
+              <a:rPr lang="pt-BR" dirty="0" smtClean="0"/>
+              <a:t>minuto;</a:t>
+            </a:r>
+            <a:endParaRPr lang="pt-BR" dirty="0"/>
           </a:p>
           <a:p>
             <a:r>
               <a:rPr lang="pt-BR" dirty="0"/>
-              <a:t>Botão 3: soma +1 na horas ou minutos dependendo do valor do botão 2</a:t>
-            </a:r>
+              <a:t>Botão 3: soma +1 na hora ou minuto dependendo do que foi escolhido com o botão </a:t>
+            </a:r>
+            <a:r>
+              <a:rPr lang="pt-BR" dirty="0" smtClean="0"/>
+              <a:t>2</a:t>
+            </a:r>
+          </a:p>
+          <a:p>
+            <a:endParaRPr lang="pt-BR" dirty="0"/>
+          </a:p>
+          <a:p>
+            <a:pPr marL="0" indent="0">
+              <a:buNone/>
+            </a:pPr>
+            <a:r>
+              <a:rPr lang="pt-BR" dirty="0"/>
+              <a:t>Para Confirmar a nova hora do </a:t>
+            </a:r>
+            <a:r>
+              <a:rPr lang="pt-BR" dirty="0" smtClean="0"/>
+              <a:t>relógio </a:t>
+            </a:r>
+            <a:r>
+              <a:rPr lang="pt-BR" dirty="0"/>
+              <a:t>deve-se segurar o botão 1 e 2, e soltar rapidamente o botão 2 seguido do botão </a:t>
+            </a:r>
+            <a:r>
+              <a:rPr lang="pt-BR" dirty="0" smtClean="0"/>
+              <a:t>1</a:t>
+            </a:r>
+          </a:p>
+          <a:p>
+            <a:pPr marL="0" indent="0">
+              <a:buNone/>
+            </a:pPr>
+            <a:r>
+              <a:rPr lang="pt-BR" dirty="0"/>
+              <a:t>É POSSÍVEL VERIFICAR QUE ESTAMOS NO MODO DE MODIFICAR O </a:t>
+            </a:r>
+            <a:r>
+              <a:rPr lang="pt-BR" dirty="0" smtClean="0"/>
+              <a:t>RELÓGIO PELO </a:t>
+            </a:r>
+            <a:r>
+              <a:rPr lang="pt-BR" dirty="0"/>
+              <a:t>LED </a:t>
+            </a:r>
+            <a:r>
+              <a:rPr lang="pt-BR" dirty="0" smtClean="0"/>
+              <a:t>D4 </a:t>
+            </a:r>
+            <a:r>
+              <a:rPr lang="pt-BR" dirty="0"/>
+              <a:t>ACESSO NA </a:t>
+            </a:r>
+            <a:r>
+              <a:rPr lang="pt-BR" dirty="0" smtClean="0"/>
+              <a:t>PLACA</a:t>
+            </a:r>
+            <a:endParaRPr lang="pt-BR" dirty="0"/>
+          </a:p>
+          <a:p>
+            <a:endParaRPr lang="pt-BR" dirty="0"/>
           </a:p>
         </p:txBody>
       </p:sp>
@@ -7131,7 +7271,7 @@
     </a:clrScheme>
     <a:fontScheme name="Main Event">
       <a:majorFont>
-        <a:latin typeface="Impact" panose="020B0806030902050204"/>
+        <a:latin typeface="Impact"/>
         <a:ea typeface=""/>
         <a:cs typeface=""/>
         <a:font script="Jpan" typeface="ＭＳ Ｐゴシック"/>
@@ -7166,7 +7306,7 @@
         <a:font script="Geor" typeface="Sylfaen"/>
       </a:majorFont>
       <a:minorFont>
-        <a:latin typeface="Impact" panose="020B0806030902050204"/>
+        <a:latin typeface="Impact"/>
         <a:ea typeface=""/>
         <a:cs typeface=""/>
         <a:font script="Jpan" typeface="ＭＳ Ｐゴシック"/>
@@ -7309,7 +7449,7 @@
   <a:extraClrSchemeLst/>
   <a:extLst>
     <a:ext uri="{05A4C25C-085E-4340-85A3-A5531E510DB2}">
-      <thm15:themeFamily xmlns:thm15="http://schemas.microsoft.com/office/thememl/2012/main" name="Main Event" id="{AC372BB4-D83D-411E-B849-B641926BA760}" vid="{F1EFBDE3-1A95-4E3D-81AD-1F53D65BEA01}"/>
+      <thm15:themeFamily xmlns:thm15="http://schemas.microsoft.com/office/thememl/2012/main" xmlns="" name="Main Event" id="{AC372BB4-D83D-411E-B849-B641926BA760}" vid="{F1EFBDE3-1A95-4E3D-81AD-1F53D65BEA01}"/>
     </a:ext>
   </a:extLst>
 </a:theme>
